--- a/04.TestLevelsAndTypes/Suitability.pptx
+++ b/04.TestLevelsAndTypes/Suitability.pptx
@@ -114,7 +114,7 @@
   </p:defaultTextStyle>
   <p:extLst>
     <p:ext uri="{EFAFB233-063F-42B5-8137-9DF3F51BA10A}">
-      <p15:sldGuideLst xmlns:p15="http://schemas.microsoft.com/office/powerpoint/2012/main" xmlns=""/>
+      <p15:sldGuideLst xmlns="" xmlns:p15="http://schemas.microsoft.com/office/powerpoint/2012/main"/>
     </p:ext>
   </p:extLst>
 </p:presentation>
@@ -125,7 +125,7 @@
   <p:cmAuthor id="1" name="Ventsislav Ivanov" initials="VI" lastIdx="2" clrIdx="0">
     <p:extLst>
       <p:ext uri="{19B8F6BF-5375-455C-9EA6-DF929625EA0E}">
-        <p15:presenceInfo xmlns:p15="http://schemas.microsoft.com/office/powerpoint/2012/main" xmlns="" userId="5754ec8a71dc76ed" providerId="Windows Live"/>
+        <p15:presenceInfo xmlns="" xmlns:p15="http://schemas.microsoft.com/office/powerpoint/2012/main" userId="5754ec8a71dc76ed" providerId="Windows Live"/>
       </p:ext>
     </p:extLst>
   </p:cmAuthor>
@@ -878,7 +878,7 @@
             <a:fld id="{B61BEF0D-F0BB-DE4B-95CE-6DB70DBA9567}" type="datetimeFigureOut">
               <a:rPr lang="en-US" dirty="0"/>
               <a:pPr/>
-              <a:t>11/14/2015</a:t>
+              <a:t>11/16/2015</a:t>
             </a:fld>
             <a:endParaRPr lang="en-US" dirty="0"/>
           </a:p>
@@ -1126,7 +1126,7 @@
             <a:fld id="{B61BEF0D-F0BB-DE4B-95CE-6DB70DBA9567}" type="datetimeFigureOut">
               <a:rPr lang="en-US" dirty="0"/>
               <a:pPr/>
-              <a:t>11/14/2015</a:t>
+              <a:t>11/16/2015</a:t>
             </a:fld>
             <a:endParaRPr lang="en-US" dirty="0"/>
           </a:p>
@@ -1437,7 +1437,7 @@
             <a:fld id="{B61BEF0D-F0BB-DE4B-95CE-6DB70DBA9567}" type="datetimeFigureOut">
               <a:rPr lang="en-US" dirty="0"/>
               <a:pPr/>
-              <a:t>11/14/2015</a:t>
+              <a:t>11/16/2015</a:t>
             </a:fld>
             <a:endParaRPr lang="en-US" dirty="0"/>
           </a:p>
@@ -1767,7 +1767,7 @@
             <a:fld id="{B61BEF0D-F0BB-DE4B-95CE-6DB70DBA9567}" type="datetimeFigureOut">
               <a:rPr lang="en-US" dirty="0"/>
               <a:pPr/>
-              <a:t>11/14/2015</a:t>
+              <a:t>11/16/2015</a:t>
             </a:fld>
             <a:endParaRPr lang="en-US" dirty="0"/>
           </a:p>
@@ -2078,7 +2078,7 @@
             <a:fld id="{B61BEF0D-F0BB-DE4B-95CE-6DB70DBA9567}" type="datetimeFigureOut">
               <a:rPr lang="en-US" dirty="0"/>
               <a:pPr/>
-              <a:t>11/14/2015</a:t>
+              <a:t>11/16/2015</a:t>
             </a:fld>
             <a:endParaRPr lang="en-US" dirty="0"/>
           </a:p>
@@ -2468,7 +2468,7 @@
             <a:fld id="{B61BEF0D-F0BB-DE4B-95CE-6DB70DBA9567}" type="datetimeFigureOut">
               <a:rPr lang="en-US" dirty="0"/>
               <a:pPr/>
-              <a:t>11/14/2015</a:t>
+              <a:t>11/16/2015</a:t>
             </a:fld>
             <a:endParaRPr lang="en-US" dirty="0"/>
           </a:p>
@@ -2635,7 +2635,7 @@
             <a:fld id="{55C6B4A9-1611-4792-9094-5F34BCA07E0B}" type="datetimeFigureOut">
               <a:rPr lang="en-US" dirty="0"/>
               <a:pPr/>
-              <a:t>11/14/2015</a:t>
+              <a:t>11/16/2015</a:t>
             </a:fld>
             <a:endParaRPr lang="en-US" dirty="0"/>
           </a:p>
@@ -2812,7 +2812,7 @@
             <a:fld id="{B61BEF0D-F0BB-DE4B-95CE-6DB70DBA9567}" type="datetimeFigureOut">
               <a:rPr lang="en-US" dirty="0"/>
               <a:pPr/>
-              <a:t>11/14/2015</a:t>
+              <a:t>11/16/2015</a:t>
             </a:fld>
             <a:endParaRPr lang="en-US" dirty="0"/>
           </a:p>
@@ -2979,7 +2979,7 @@
             <a:fld id="{42A54C80-263E-416B-A8E0-580EDEADCBDC}" type="datetimeFigureOut">
               <a:rPr lang="en-US" dirty="0"/>
               <a:pPr/>
-              <a:t>11/14/2015</a:t>
+              <a:t>11/16/2015</a:t>
             </a:fld>
             <a:endParaRPr lang="en-US" dirty="0"/>
           </a:p>
@@ -3223,7 +3223,7 @@
             <a:fld id="{B61BEF0D-F0BB-DE4B-95CE-6DB70DBA9567}" type="datetimeFigureOut">
               <a:rPr lang="en-US" dirty="0"/>
               <a:pPr/>
-              <a:t>11/14/2015</a:t>
+              <a:t>11/16/2015</a:t>
             </a:fld>
             <a:endParaRPr lang="en-US" dirty="0"/>
           </a:p>
@@ -3452,7 +3452,7 @@
             <a:fld id="{42A54C80-263E-416B-A8E0-580EDEADCBDC}" type="datetimeFigureOut">
               <a:rPr lang="en-US" dirty="0"/>
               <a:pPr/>
-              <a:t>11/14/2015</a:t>
+              <a:t>11/16/2015</a:t>
             </a:fld>
             <a:endParaRPr lang="en-US" dirty="0"/>
           </a:p>
@@ -3823,7 +3823,7 @@
             <a:fld id="{B61BEF0D-F0BB-DE4B-95CE-6DB70DBA9567}" type="datetimeFigureOut">
               <a:rPr lang="en-US" dirty="0"/>
               <a:pPr/>
-              <a:t>11/14/2015</a:t>
+              <a:t>11/16/2015</a:t>
             </a:fld>
             <a:endParaRPr lang="en-US" dirty="0"/>
           </a:p>
@@ -3943,7 +3943,7 @@
             <a:fld id="{B61BEF0D-F0BB-DE4B-95CE-6DB70DBA9567}" type="datetimeFigureOut">
               <a:rPr lang="en-US" dirty="0"/>
               <a:pPr/>
-              <a:t>11/14/2015</a:t>
+              <a:t>11/16/2015</a:t>
             </a:fld>
             <a:endParaRPr lang="en-US" dirty="0"/>
           </a:p>
@@ -4035,7 +4035,7 @@
             <a:fld id="{B61BEF0D-F0BB-DE4B-95CE-6DB70DBA9567}" type="datetimeFigureOut">
               <a:rPr lang="en-US" dirty="0"/>
               <a:pPr/>
-              <a:t>11/14/2015</a:t>
+              <a:t>11/16/2015</a:t>
             </a:fld>
             <a:endParaRPr lang="en-US" dirty="0"/>
           </a:p>
@@ -4287,7 +4287,7 @@
             <a:fld id="{42A54C80-263E-416B-A8E0-580EDEADCBDC}" type="datetimeFigureOut">
               <a:rPr lang="en-US" dirty="0"/>
               <a:pPr/>
-              <a:t>11/14/2015</a:t>
+              <a:t>11/16/2015</a:t>
             </a:fld>
             <a:endParaRPr lang="en-US" dirty="0"/>
           </a:p>
@@ -4590,7 +4590,7 @@
             <a:fld id="{B61BEF0D-F0BB-DE4B-95CE-6DB70DBA9567}" type="datetimeFigureOut">
               <a:rPr lang="en-US" dirty="0"/>
               <a:pPr/>
-              <a:t>11/14/2015</a:t>
+              <a:t>11/16/2015</a:t>
             </a:fld>
             <a:endParaRPr lang="en-US" dirty="0"/>
           </a:p>
@@ -5288,7 +5288,7 @@
             <a:fld id="{B61BEF0D-F0BB-DE4B-95CE-6DB70DBA9567}" type="datetimeFigureOut">
               <a:rPr lang="en-US" dirty="0"/>
               <a:pPr/>
-              <a:t>11/14/2015</a:t>
+              <a:t>11/16/2015</a:t>
             </a:fld>
             <a:endParaRPr lang="en-US" dirty="0"/>
           </a:p>
@@ -5847,19 +5847,7 @@
             </a:br>
             <a:r>
               <a:rPr lang="en-US" sz="5300" dirty="0" smtClean="0"/>
-              <a:t>Quality Attributes for </a:t>
-            </a:r>
-            <a:r>
-              <a:rPr lang="en-US" sz="5300" dirty="0" smtClean="0"/>
-              <a:t>Domain</a:t>
-            </a:r>
-            <a:r>
-              <a:rPr lang="en-US" sz="5300" dirty="0" smtClean="0"/>
-              <a:t> </a:t>
-            </a:r>
-            <a:r>
-              <a:rPr lang="en-US" sz="5300" dirty="0" smtClean="0"/>
-              <a:t>Testing</a:t>
+              <a:t>Quality Attributes for Domain Testing</a:t>
             </a:r>
             <a:r>
               <a:rPr lang="en-US" dirty="0"/>
@@ -5927,7 +5915,7 @@
           <a:blip r:embed="rId2">
             <a:extLst>
               <a:ext uri="{28A0092B-C50C-407E-A947-70E740481C1C}">
-                <a14:useLocalDpi xmlns:a14="http://schemas.microsoft.com/office/drawing/2010/main" xmlns="" val="0"/>
+                <a14:useLocalDpi xmlns="" xmlns:a14="http://schemas.microsoft.com/office/drawing/2010/main" val="0"/>
               </a:ext>
             </a:extLst>
           </a:blip>
@@ -5974,7 +5962,7 @@
     </p:spTree>
     <p:extLst>
       <p:ext uri="{BB962C8B-B14F-4D97-AF65-F5344CB8AC3E}">
-        <p14:creationId xmlns:p14="http://schemas.microsoft.com/office/powerpoint/2010/main" xmlns="" val="2240951106"/>
+        <p14:creationId xmlns="" xmlns:p14="http://schemas.microsoft.com/office/powerpoint/2010/main" val="2240951106"/>
       </p:ext>
     </p:extLst>
   </p:cSld>
@@ -6059,13 +6047,8 @@
             <a:pPr algn="just"/>
             <a:r>
               <a:rPr lang="en-US" sz="2800" dirty="0" smtClean="0"/>
-              <a:t>Suitability is the </a:t>
-            </a:r>
-            <a:r>
-              <a:rPr lang="en-US" sz="2800" dirty="0" smtClean="0"/>
-              <a:t>capability of the software product to provide an appropriate set of functions for specified tasks and user objectives.</a:t>
-            </a:r>
-            <a:endParaRPr lang="en-US" sz="2800" dirty="0" smtClean="0"/>
+              <a:t>Suitability is the capability of the software product to provide an appropriate set of functions for specified tasks and user objectives.</a:t>
+            </a:r>
           </a:p>
           <a:p>
             <a:pPr marL="0" indent="0">
@@ -6118,7 +6101,7 @@
     </p:spTree>
     <p:extLst>
       <p:ext uri="{BB962C8B-B14F-4D97-AF65-F5344CB8AC3E}">
-        <p14:creationId xmlns:p14="http://schemas.microsoft.com/office/powerpoint/2010/main" xmlns="" val="36069602"/>
+        <p14:creationId xmlns="" xmlns:p14="http://schemas.microsoft.com/office/powerpoint/2010/main" val="36069602"/>
       </p:ext>
     </p:extLst>
   </p:cSld>
@@ -6179,19 +6162,7 @@
             </a:pPr>
             <a:r>
               <a:rPr lang="en-US" sz="3200" dirty="0" smtClean="0"/>
-              <a:t>Suitability testing requires knowledge of the </a:t>
-            </a:r>
-            <a:r>
-              <a:rPr lang="en-US" sz="3200" dirty="0" smtClean="0"/>
-              <a:t>intended and </a:t>
-            </a:r>
-            <a:r>
-              <a:rPr lang="en-US" sz="3200" dirty="0" smtClean="0"/>
-              <a:t>expected </a:t>
-            </a:r>
-            <a:r>
-              <a:rPr lang="en-US" sz="3200" dirty="0" smtClean="0"/>
-              <a:t>use</a:t>
+              <a:t>Suitability testing requires knowledge of the intended and expected use</a:t>
             </a:r>
           </a:p>
           <a:p>
@@ -6214,11 +6185,6 @@
               </a:rPr>
               <a:t>need</a:t>
             </a:r>
-            <a:endParaRPr lang="en-US" sz="2200" dirty="0" smtClean="0">
-              <a:solidFill>
-                <a:srgbClr val="FFC000"/>
-              </a:solidFill>
-            </a:endParaRPr>
           </a:p>
           <a:p>
             <a:pPr lvl="4"/>
@@ -6234,11 +6200,6 @@
               </a:rPr>
               <a:t>skill level</a:t>
             </a:r>
-            <a:endParaRPr lang="en-US" sz="2200" dirty="0" smtClean="0">
-              <a:solidFill>
-                <a:srgbClr val="FFC000"/>
-              </a:solidFill>
-            </a:endParaRPr>
           </a:p>
           <a:p>
             <a:pPr lvl="4"/>
@@ -6283,7 +6244,19 @@
             <a:pPr marL="0" lvl="1" indent="0"/>
             <a:r>
               <a:rPr lang="en-US" sz="2400" dirty="0" smtClean="0"/>
-              <a:t>Don’t know? - </a:t>
+              <a:t>Don’t know? </a:t>
+            </a:r>
+            <a:r>
+              <a:rPr lang="en-US" sz="2400" dirty="0" smtClean="0"/>
+              <a:t>– </a:t>
+            </a:r>
+            <a:r>
+              <a:rPr lang="en-US" sz="2400" smtClean="0">
+                <a:solidFill>
+                  <a:srgbClr val="FFC000"/>
+                </a:solidFill>
+              </a:rPr>
+              <a:t>Ferret it </a:t>
             </a:r>
             <a:r>
               <a:rPr lang="en-US" sz="2400" dirty="0" smtClean="0">
@@ -6291,7 +6264,7 @@
                   <a:srgbClr val="FFC000"/>
                 </a:solidFill>
               </a:rPr>
-              <a:t>Ferreted out</a:t>
+              <a:t>out</a:t>
             </a:r>
           </a:p>
           <a:p>
@@ -6367,7 +6340,7 @@
     </p:spTree>
     <p:extLst>
       <p:ext uri="{BB962C8B-B14F-4D97-AF65-F5344CB8AC3E}">
-        <p14:creationId xmlns:p14="http://schemas.microsoft.com/office/powerpoint/2010/main" xmlns="" val="2510236076"/>
+        <p14:creationId xmlns="" xmlns:p14="http://schemas.microsoft.com/office/powerpoint/2010/main" val="2510236076"/>
       </p:ext>
     </p:extLst>
   </p:cSld>
@@ -6459,7 +6432,6 @@
               <a:rPr lang="en-US" sz="2800" dirty="0" smtClean="0"/>
               <a:t>Example</a:t>
             </a:r>
-            <a:endParaRPr lang="en-US" sz="2800" dirty="0" smtClean="0"/>
           </a:p>
         </p:txBody>
       </p:sp>
@@ -6495,15 +6467,7 @@
                   <a:srgbClr val="00B0F0"/>
                 </a:solidFill>
               </a:rPr>
-              <a:t>Normal </a:t>
-            </a:r>
-            <a:r>
-              <a:rPr lang="en-US" sz="2800" dirty="0" smtClean="0">
-                <a:solidFill>
-                  <a:srgbClr val="00B0F0"/>
-                </a:solidFill>
-              </a:rPr>
-              <a:t>workflow</a:t>
+              <a:t>Normal workflow</a:t>
             </a:r>
           </a:p>
           <a:p>
@@ -6539,7 +6503,15 @@
             </a:pPr>
             <a:r>
               <a:rPr lang="en-US" sz="2400" dirty="0" smtClean="0"/>
-              <a:t>System gathers address, payment, and shipping information from Customer</a:t>
+              <a:t>System gathers address, </a:t>
+            </a:r>
+            <a:r>
+              <a:rPr lang="en-US" sz="2400" dirty="0" smtClean="0"/>
+              <a:t>payment </a:t>
+            </a:r>
+            <a:r>
+              <a:rPr lang="en-US" sz="2400" dirty="0" smtClean="0"/>
+              <a:t>and shipping information from Customer</a:t>
             </a:r>
           </a:p>
           <a:p>
@@ -6623,7 +6595,7 @@
     </p:spTree>
     <p:extLst>
       <p:ext uri="{BB962C8B-B14F-4D97-AF65-F5344CB8AC3E}">
-        <p14:creationId xmlns:p14="http://schemas.microsoft.com/office/powerpoint/2010/main" xmlns="" val="3419869146"/>
+        <p14:creationId xmlns="" xmlns:p14="http://schemas.microsoft.com/office/powerpoint/2010/main" val="3419869146"/>
       </p:ext>
     </p:extLst>
   </p:cSld>
@@ -6701,15 +6673,7 @@
                   <a:schemeClr val="tx2"/>
                 </a:solidFill>
               </a:rPr>
-              <a:t>A </a:t>
-            </a:r>
-            <a:r>
-              <a:rPr lang="en-US" sz="2800" dirty="0" smtClean="0">
-                <a:solidFill>
-                  <a:schemeClr val="tx2"/>
-                </a:solidFill>
-              </a:rPr>
-              <a:t>test case for the normal workflow can be:</a:t>
+              <a:t>A test case for the normal workflow can be:</a:t>
             </a:r>
           </a:p>
           <a:p>
@@ -8224,7 +8188,7 @@
     </p:spTree>
     <p:extLst>
       <p:ext uri="{BB962C8B-B14F-4D97-AF65-F5344CB8AC3E}">
-        <p14:creationId xmlns:p14="http://schemas.microsoft.com/office/powerpoint/2010/main" xmlns="" val="3159869396"/>
+        <p14:creationId xmlns="" xmlns:p14="http://schemas.microsoft.com/office/powerpoint/2010/main" val="3159869396"/>
       </p:ext>
     </p:extLst>
   </p:cSld>
@@ -8302,15 +8266,7 @@
                   <a:schemeClr val="tx2"/>
                 </a:solidFill>
               </a:rPr>
-              <a:t>An </a:t>
-            </a:r>
-            <a:r>
-              <a:rPr lang="en-US" sz="2800" dirty="0" smtClean="0">
-                <a:solidFill>
-                  <a:schemeClr val="tx2"/>
-                </a:solidFill>
-              </a:rPr>
-              <a:t>exceptional test case can be:</a:t>
+              <a:t>An exceptional test case can be:</a:t>
             </a:r>
           </a:p>
           <a:p>
@@ -9849,7 +9805,7 @@
     </p:spTree>
     <p:extLst>
       <p:ext uri="{BB962C8B-B14F-4D97-AF65-F5344CB8AC3E}">
-        <p14:creationId xmlns:p14="http://schemas.microsoft.com/office/powerpoint/2010/main" xmlns="" val="3937943436"/>
+        <p14:creationId xmlns="" xmlns:p14="http://schemas.microsoft.com/office/powerpoint/2010/main" val="3937943436"/>
       </p:ext>
     </p:extLst>
   </p:cSld>
@@ -9988,21 +9944,8 @@
                   <a:schemeClr val="tx2"/>
                 </a:solidFill>
               </a:rPr>
-              <a:t>End </a:t>
-            </a:r>
-            <a:r>
-              <a:rPr lang="en-US" sz="2800" dirty="0" smtClean="0">
-                <a:solidFill>
-                  <a:schemeClr val="tx2"/>
-                </a:solidFill>
-              </a:rPr>
-              <a:t>of the integration testing </a:t>
-            </a:r>
-            <a:endParaRPr lang="en-US" sz="2800" dirty="0" smtClean="0">
-              <a:solidFill>
-                <a:schemeClr val="tx2"/>
-              </a:solidFill>
-            </a:endParaRPr>
+              <a:t>End of the integration testing </a:t>
+            </a:r>
           </a:p>
           <a:p>
             <a:pPr marL="0" indent="0"/>
@@ -10020,31 +9963,7 @@
                   <a:schemeClr val="tx2"/>
                 </a:solidFill>
               </a:rPr>
-              <a:t>D</a:t>
-            </a:r>
-            <a:r>
-              <a:rPr lang="en-US" sz="2800" dirty="0" smtClean="0">
-                <a:solidFill>
-                  <a:schemeClr val="tx2"/>
-                </a:solidFill>
-              </a:rPr>
-              <a:t>uring </a:t>
-            </a:r>
-            <a:r>
-              <a:rPr lang="en-US" sz="2800" dirty="0" smtClean="0">
-                <a:solidFill>
-                  <a:schemeClr val="tx2"/>
-                </a:solidFill>
-              </a:rPr>
-              <a:t>system </a:t>
-            </a:r>
-            <a:r>
-              <a:rPr lang="en-US" sz="2800" dirty="0" smtClean="0">
-                <a:solidFill>
-                  <a:schemeClr val="tx2"/>
-                </a:solidFill>
-              </a:rPr>
-              <a:t>testing</a:t>
+              <a:t>During system testing</a:t>
             </a:r>
           </a:p>
           <a:p>
@@ -10086,7 +10005,7 @@
     </p:spTree>
     <p:extLst>
       <p:ext uri="{BB962C8B-B14F-4D97-AF65-F5344CB8AC3E}">
-        <p14:creationId xmlns:p14="http://schemas.microsoft.com/office/powerpoint/2010/main" xmlns="" val="55734661"/>
+        <p14:creationId xmlns="" xmlns:p14="http://schemas.microsoft.com/office/powerpoint/2010/main" val="55734661"/>
       </p:ext>
     </p:extLst>
   </p:cSld>
@@ -10276,15 +10195,7 @@
             </a:pPr>
             <a:r>
               <a:rPr lang="en-US" sz="2400" dirty="0" smtClean="0"/>
-              <a:t>Involved </a:t>
-            </a:r>
-            <a:r>
-              <a:rPr lang="en-US" sz="2400" dirty="0" smtClean="0"/>
-              <a:t>User or Product </a:t>
-            </a:r>
-            <a:r>
-              <a:rPr lang="en-US" sz="2400" dirty="0" smtClean="0"/>
-              <a:t>Owner</a:t>
+              <a:t>Involved User or Product Owner</a:t>
             </a:r>
           </a:p>
           <a:p>
@@ -10325,7 +10236,7 @@
     </p:spTree>
     <p:extLst>
       <p:ext uri="{BB962C8B-B14F-4D97-AF65-F5344CB8AC3E}">
-        <p14:creationId xmlns:p14="http://schemas.microsoft.com/office/powerpoint/2010/main" xmlns="" val="2592513438"/>
+        <p14:creationId xmlns="" xmlns:p14="http://schemas.microsoft.com/office/powerpoint/2010/main" val="2592513438"/>
       </p:ext>
     </p:extLst>
   </p:cSld>
@@ -10393,7 +10304,7 @@
     </p:spTree>
     <p:extLst>
       <p:ext uri="{BB962C8B-B14F-4D97-AF65-F5344CB8AC3E}">
-        <p14:creationId xmlns:p14="http://schemas.microsoft.com/office/powerpoint/2010/main" xmlns="" val="2405888014"/>
+        <p14:creationId xmlns="" xmlns:p14="http://schemas.microsoft.com/office/powerpoint/2010/main" val="2405888014"/>
       </p:ext>
     </p:extLst>
   </p:cSld>
@@ -10661,7 +10572,7 @@
   <a:extraClrSchemeLst/>
   <a:extLst>
     <a:ext uri="{05A4C25C-085E-4340-85A3-A5531E510DB2}">
-      <thm15:themeFamily xmlns:thm15="http://schemas.microsoft.com/office/thememl/2012/main" xmlns="" name="Facet" id="{C0C680CD-088A-49FC-A102-D699147F32B2}" vid="{0B5AB586-D108-4FC1-8368-649FE654B894}"/>
+      <thm15:themeFamily xmlns="" xmlns:thm15="http://schemas.microsoft.com/office/thememl/2012/main" name="Facet" id="{C0C680CD-088A-49FC-A102-D699147F32B2}" vid="{0B5AB586-D108-4FC1-8368-649FE654B894}"/>
     </a:ext>
   </a:extLst>
 </a:theme>

--- a/04.TestLevelsAndTypes/Suitability.pptx
+++ b/04.TestLevelsAndTypes/Suitability.pptx
@@ -9,11 +9,12 @@
     <p:sldId id="257" r:id="rId3"/>
     <p:sldId id="264" r:id="rId4"/>
     <p:sldId id="263" r:id="rId5"/>
-    <p:sldId id="265" r:id="rId6"/>
-    <p:sldId id="266" r:id="rId7"/>
-    <p:sldId id="267" r:id="rId8"/>
-    <p:sldId id="269" r:id="rId9"/>
-    <p:sldId id="262" r:id="rId10"/>
+    <p:sldId id="270" r:id="rId6"/>
+    <p:sldId id="265" r:id="rId7"/>
+    <p:sldId id="266" r:id="rId8"/>
+    <p:sldId id="267" r:id="rId9"/>
+    <p:sldId id="269" r:id="rId10"/>
+    <p:sldId id="262" r:id="rId11"/>
   </p:sldIdLst>
   <p:sldSz cx="12192000" cy="6858000"/>
   <p:notesSz cx="6858000" cy="9144000"/>
@@ -114,7 +115,7 @@
   </p:defaultTextStyle>
   <p:extLst>
     <p:ext uri="{EFAFB233-063F-42B5-8137-9DF3F51BA10A}">
-      <p15:sldGuideLst xmlns="" xmlns:p15="http://schemas.microsoft.com/office/powerpoint/2012/main"/>
+      <p15:sldGuideLst xmlns:p15="http://schemas.microsoft.com/office/powerpoint/2012/main" xmlns=""/>
     </p:ext>
   </p:extLst>
 </p:presentation>
@@ -125,7 +126,7 @@
   <p:cmAuthor id="1" name="Ventsislav Ivanov" initials="VI" lastIdx="2" clrIdx="0">
     <p:extLst>
       <p:ext uri="{19B8F6BF-5375-455C-9EA6-DF929625EA0E}">
-        <p15:presenceInfo xmlns="" xmlns:p15="http://schemas.microsoft.com/office/powerpoint/2012/main" userId="5754ec8a71dc76ed" providerId="Windows Live"/>
+        <p15:presenceInfo xmlns:p15="http://schemas.microsoft.com/office/powerpoint/2012/main" xmlns="" userId="5754ec8a71dc76ed" providerId="Windows Live"/>
       </p:ext>
     </p:extLst>
   </p:cmAuthor>
@@ -5915,7 +5916,7 @@
           <a:blip r:embed="rId2">
             <a:extLst>
               <a:ext uri="{28A0092B-C50C-407E-A947-70E740481C1C}">
-                <a14:useLocalDpi xmlns="" xmlns:a14="http://schemas.microsoft.com/office/drawing/2010/main" val="0"/>
+                <a14:useLocalDpi xmlns:a14="http://schemas.microsoft.com/office/drawing/2010/main" xmlns="" val="0"/>
               </a:ext>
             </a:extLst>
           </a:blip>
@@ -5962,7 +5963,75 @@
     </p:spTree>
     <p:extLst>
       <p:ext uri="{BB962C8B-B14F-4D97-AF65-F5344CB8AC3E}">
-        <p14:creationId xmlns="" xmlns:p14="http://schemas.microsoft.com/office/powerpoint/2010/main" val="2240951106"/>
+        <p14:creationId xmlns:p14="http://schemas.microsoft.com/office/powerpoint/2010/main" xmlns="" val="2240951106"/>
+      </p:ext>
+    </p:extLst>
+  </p:cSld>
+  <p:clrMapOvr>
+    <a:masterClrMapping/>
+  </p:clrMapOvr>
+  <p:timing>
+    <p:tnLst>
+      <p:par>
+        <p:cTn id="1" dur="indefinite" restart="never" nodeType="tmRoot"/>
+      </p:par>
+    </p:tnLst>
+  </p:timing>
+</p:sld>
+</file>
+
+<file path=ppt/slides/slide10.xml><?xml version="1.0" encoding="utf-8"?>
+<p:sld xmlns:a="http://schemas.openxmlformats.org/drawingml/2006/main" xmlns:r="http://schemas.openxmlformats.org/officeDocument/2006/relationships" xmlns:p="http://schemas.openxmlformats.org/presentationml/2006/main">
+  <p:cSld>
+    <p:spTree>
+      <p:nvGrpSpPr>
+        <p:cNvPr id="1" name=""/>
+        <p:cNvGrpSpPr/>
+        <p:nvPr/>
+      </p:nvGrpSpPr>
+      <p:grpSpPr>
+        <a:xfrm>
+          <a:off x="0" y="0"/>
+          <a:ext cx="0" cy="0"/>
+          <a:chOff x="0" y="0"/>
+          <a:chExt cx="0" cy="0"/>
+        </a:xfrm>
+      </p:grpSpPr>
+      <p:sp>
+        <p:nvSpPr>
+          <p:cNvPr id="7" name="Title 6"/>
+          <p:cNvSpPr>
+            <a:spLocks noGrp="1"/>
+          </p:cNvSpPr>
+          <p:nvPr>
+            <p:ph type="title"/>
+          </p:nvPr>
+        </p:nvSpPr>
+        <p:spPr>
+          <a:xfrm>
+            <a:off x="833198" y="2667001"/>
+            <a:ext cx="8596668" cy="1320800"/>
+          </a:xfrm>
+        </p:spPr>
+        <p:txBody>
+          <a:bodyPr anchor="ctr">
+            <a:noAutofit/>
+          </a:bodyPr>
+          <a:lstStyle/>
+          <a:p>
+            <a:pPr algn="just"/>
+            <a:r>
+              <a:rPr lang="en-US" sz="13800" dirty="0" smtClean="0"/>
+              <a:t>Thank you</a:t>
+            </a:r>
+            <a:endParaRPr lang="bg-BG" sz="13800" dirty="0"/>
+          </a:p>
+        </p:txBody>
+      </p:sp>
+    </p:spTree>
+    <p:extLst>
+      <p:ext uri="{BB962C8B-B14F-4D97-AF65-F5344CB8AC3E}">
+        <p14:creationId xmlns:p14="http://schemas.microsoft.com/office/powerpoint/2010/main" xmlns="" val="2405888014"/>
       </p:ext>
     </p:extLst>
   </p:cSld>
@@ -6101,7 +6170,7 @@
     </p:spTree>
     <p:extLst>
       <p:ext uri="{BB962C8B-B14F-4D97-AF65-F5344CB8AC3E}">
-        <p14:creationId xmlns="" xmlns:p14="http://schemas.microsoft.com/office/powerpoint/2010/main" val="36069602"/>
+        <p14:creationId xmlns:p14="http://schemas.microsoft.com/office/powerpoint/2010/main" xmlns="" val="36069602"/>
       </p:ext>
     </p:extLst>
   </p:cSld>
@@ -6244,11 +6313,7 @@
             <a:pPr marL="0" lvl="1" indent="0"/>
             <a:r>
               <a:rPr lang="en-US" sz="2400" dirty="0" smtClean="0"/>
-              <a:t>Don’t know? </a:t>
-            </a:r>
-            <a:r>
-              <a:rPr lang="en-US" sz="2400" dirty="0" smtClean="0"/>
-              <a:t>– </a:t>
+              <a:t>Don’t know? – </a:t>
             </a:r>
             <a:r>
               <a:rPr lang="en-US" sz="2400" smtClean="0">
@@ -6340,7 +6405,7 @@
     </p:spTree>
     <p:extLst>
       <p:ext uri="{BB962C8B-B14F-4D97-AF65-F5344CB8AC3E}">
-        <p14:creationId xmlns="" xmlns:p14="http://schemas.microsoft.com/office/powerpoint/2010/main" val="2510236076"/>
+        <p14:creationId xmlns:p14="http://schemas.microsoft.com/office/powerpoint/2010/main" xmlns="" val="2510236076"/>
       </p:ext>
     </p:extLst>
   </p:cSld>
@@ -6503,15 +6568,7 @@
             </a:pPr>
             <a:r>
               <a:rPr lang="en-US" sz="2400" dirty="0" smtClean="0"/>
-              <a:t>System gathers address, </a:t>
-            </a:r>
-            <a:r>
-              <a:rPr lang="en-US" sz="2400" dirty="0" smtClean="0"/>
-              <a:t>payment </a:t>
-            </a:r>
-            <a:r>
-              <a:rPr lang="en-US" sz="2400" dirty="0" smtClean="0"/>
-              <a:t>and shipping information from Customer</a:t>
+              <a:t>System gathers address, payment and shipping information from Customer</a:t>
             </a:r>
           </a:p>
           <a:p>
@@ -6595,7 +6652,7 @@
     </p:spTree>
     <p:extLst>
       <p:ext uri="{BB962C8B-B14F-4D97-AF65-F5344CB8AC3E}">
-        <p14:creationId xmlns="" xmlns:p14="http://schemas.microsoft.com/office/powerpoint/2010/main" val="3419869146"/>
+        <p14:creationId xmlns:p14="http://schemas.microsoft.com/office/powerpoint/2010/main" xmlns="" val="3419869146"/>
       </p:ext>
     </p:extLst>
   </p:cSld>
@@ -6631,6 +6688,30 @@
       </p:grpSpPr>
       <p:sp>
         <p:nvSpPr>
+          <p:cNvPr id="2" name="Title 1"/>
+          <p:cNvSpPr>
+            <a:spLocks noGrp="1"/>
+          </p:cNvSpPr>
+          <p:nvPr>
+            <p:ph type="title"/>
+          </p:nvPr>
+        </p:nvSpPr>
+        <p:spPr/>
+        <p:txBody>
+          <a:bodyPr/>
+          <a:lstStyle/>
+          <a:p>
+            <a:pPr algn="r"/>
+            <a:r>
+              <a:rPr lang="en-US" dirty="0" smtClean="0"/>
+              <a:t>Example(2)</a:t>
+            </a:r>
+            <a:endParaRPr lang="bg-BG" dirty="0"/>
+          </a:p>
+        </p:txBody>
+      </p:sp>
+      <p:sp>
+        <p:nvSpPr>
           <p:cNvPr id="3" name="Content Placeholder 2"/>
           <p:cNvSpPr>
             <a:spLocks noGrp="1"/>
@@ -6641,8 +6722,8 @@
         </p:nvSpPr>
         <p:spPr>
           <a:xfrm>
-            <a:off x="423333" y="131805"/>
-            <a:ext cx="8871451" cy="1392195"/>
+            <a:off x="677334" y="983411"/>
+            <a:ext cx="6741384" cy="5057952"/>
           </a:xfrm>
         </p:spPr>
         <p:txBody>
@@ -6651,17 +6732,174 @@
           </a:bodyPr>
           <a:lstStyle/>
           <a:p>
-            <a:pPr marL="0" indent="0" algn="r">
-              <a:buNone/>
-            </a:pPr>
             <a:r>
               <a:rPr lang="en-US" sz="2800" dirty="0" smtClean="0">
                 <a:solidFill>
                   <a:srgbClr val="00B0F0"/>
                 </a:solidFill>
               </a:rPr>
-              <a:t>Example(2)</a:t>
-            </a:r>
+              <a:t>Exceptions</a:t>
+            </a:r>
+            <a:endParaRPr lang="en-US" sz="2800" dirty="0" smtClean="0">
+              <a:solidFill>
+                <a:srgbClr val="00B0F0"/>
+              </a:solidFill>
+            </a:endParaRPr>
+          </a:p>
+          <a:p>
+            <a:endParaRPr lang="en-US" sz="2000" dirty="0" smtClean="0"/>
+          </a:p>
+          <a:p>
+            <a:pPr marL="800100" lvl="1" indent="-342900">
+              <a:buClrTx/>
+              <a:buFont typeface="+mj-lt"/>
+              <a:buAutoNum type="arabicPeriod"/>
+            </a:pPr>
+            <a:r>
+              <a:rPr lang="en-US" sz="2400" dirty="0" smtClean="0"/>
+              <a:t>Customer attempts to check out with an empty shopping cart; </a:t>
+            </a:r>
+            <a:r>
+              <a:rPr lang="en-US" sz="2400" dirty="0" smtClean="0">
+                <a:solidFill>
+                  <a:srgbClr val="00B0F0"/>
+                </a:solidFill>
+              </a:rPr>
+              <a:t>System gives an error message</a:t>
+            </a:r>
+          </a:p>
+          <a:p>
+            <a:pPr marL="800100" lvl="1" indent="-342900">
+              <a:buClrTx/>
+              <a:buFont typeface="+mj-lt"/>
+              <a:buAutoNum type="arabicPeriod"/>
+            </a:pPr>
+            <a:r>
+              <a:rPr lang="en-US" sz="2400" dirty="0" smtClean="0"/>
+              <a:t>Customer provides invalid address, payment, or shipping information; </a:t>
+            </a:r>
+            <a:r>
+              <a:rPr lang="en-US" sz="2400" dirty="0" smtClean="0">
+                <a:solidFill>
+                  <a:srgbClr val="00B0F0"/>
+                </a:solidFill>
+              </a:rPr>
+              <a:t>System gives error messages as appropriate</a:t>
+            </a:r>
+          </a:p>
+          <a:p>
+            <a:pPr marL="800100" lvl="1" indent="-342900">
+              <a:buClrTx/>
+              <a:buFont typeface="+mj-lt"/>
+              <a:buAutoNum type="arabicPeriod"/>
+            </a:pPr>
+            <a:r>
+              <a:rPr lang="en-US" sz="2400" dirty="0" smtClean="0"/>
+              <a:t>Customer abandons transaction before or during checkout; </a:t>
+            </a:r>
+            <a:r>
+              <a:rPr lang="en-US" sz="2400" dirty="0" smtClean="0">
+                <a:solidFill>
+                  <a:srgbClr val="00B0F0"/>
+                </a:solidFill>
+              </a:rPr>
+              <a:t>System logs Customer out after 10 minutes of inactivity</a:t>
+            </a:r>
+          </a:p>
+          <a:p>
+            <a:endParaRPr lang="bg-BG" dirty="0"/>
+          </a:p>
+        </p:txBody>
+      </p:sp>
+      <p:pic>
+        <p:nvPicPr>
+          <p:cNvPr id="1027" name="Picture 3" descr="D:\Terelik\QA\images (1).jpg"/>
+          <p:cNvPicPr>
+            <a:picLocks noChangeAspect="1" noChangeArrowheads="1"/>
+          </p:cNvPicPr>
+          <p:nvPr/>
+        </p:nvPicPr>
+        <p:blipFill>
+          <a:blip r:embed="rId2"/>
+          <a:srcRect/>
+          <a:stretch>
+            <a:fillRect/>
+          </a:stretch>
+        </p:blipFill>
+        <p:spPr bwMode="auto">
+          <a:xfrm>
+            <a:off x="7349706" y="1895595"/>
+            <a:ext cx="2309792" cy="2710912"/>
+          </a:xfrm>
+          <a:prstGeom prst="rect">
+            <a:avLst/>
+          </a:prstGeom>
+          <a:noFill/>
+        </p:spPr>
+      </p:pic>
+    </p:spTree>
+  </p:cSld>
+  <p:clrMapOvr>
+    <a:masterClrMapping/>
+  </p:clrMapOvr>
+</p:sld>
+</file>
+
+<file path=ppt/slides/slide6.xml><?xml version="1.0" encoding="utf-8"?>
+<p:sld xmlns:a="http://schemas.openxmlformats.org/drawingml/2006/main" xmlns:r="http://schemas.openxmlformats.org/officeDocument/2006/relationships" xmlns:p="http://schemas.openxmlformats.org/presentationml/2006/main">
+  <p:cSld>
+    <p:spTree>
+      <p:nvGrpSpPr>
+        <p:cNvPr id="1" name=""/>
+        <p:cNvGrpSpPr/>
+        <p:nvPr/>
+      </p:nvGrpSpPr>
+      <p:grpSpPr>
+        <a:xfrm>
+          <a:off x="0" y="0"/>
+          <a:ext cx="0" cy="0"/>
+          <a:chOff x="0" y="0"/>
+          <a:chExt cx="0" cy="0"/>
+        </a:xfrm>
+      </p:grpSpPr>
+      <p:sp>
+        <p:nvSpPr>
+          <p:cNvPr id="3" name="Content Placeholder 2"/>
+          <p:cNvSpPr>
+            <a:spLocks noGrp="1"/>
+          </p:cNvSpPr>
+          <p:nvPr>
+            <p:ph idx="1"/>
+          </p:nvPr>
+        </p:nvSpPr>
+        <p:spPr>
+          <a:xfrm>
+            <a:off x="423333" y="131805"/>
+            <a:ext cx="8871451" cy="1392195"/>
+          </a:xfrm>
+        </p:spPr>
+        <p:txBody>
+          <a:bodyPr>
+            <a:normAutofit/>
+          </a:bodyPr>
+          <a:lstStyle/>
+          <a:p>
+            <a:pPr marL="0" indent="0" algn="r">
+              <a:buNone/>
+            </a:pPr>
+            <a:r>
+              <a:rPr lang="en-US" sz="2800" dirty="0" smtClean="0">
+                <a:solidFill>
+                  <a:srgbClr val="00B0F0"/>
+                </a:solidFill>
+              </a:rPr>
+              <a:t>Example(3)</a:t>
+            </a:r>
+            <a:endParaRPr lang="en-US" sz="2800" dirty="0" smtClean="0">
+              <a:solidFill>
+                <a:srgbClr val="00B0F0"/>
+              </a:solidFill>
+            </a:endParaRPr>
           </a:p>
           <a:p>
             <a:pPr marL="0" indent="0">
@@ -8188,7 +8426,7 @@
     </p:spTree>
     <p:extLst>
       <p:ext uri="{BB962C8B-B14F-4D97-AF65-F5344CB8AC3E}">
-        <p14:creationId xmlns="" xmlns:p14="http://schemas.microsoft.com/office/powerpoint/2010/main" val="3159869396"/>
+        <p14:creationId xmlns:p14="http://schemas.microsoft.com/office/powerpoint/2010/main" xmlns="" val="3159869396"/>
       </p:ext>
     </p:extLst>
   </p:cSld>
@@ -8205,7 +8443,7 @@
 </p:sld>
 </file>
 
-<file path=ppt/slides/slide6.xml><?xml version="1.0" encoding="utf-8"?>
+<file path=ppt/slides/slide7.xml><?xml version="1.0" encoding="utf-8"?>
 <p:sld xmlns:a="http://schemas.openxmlformats.org/drawingml/2006/main" xmlns:r="http://schemas.openxmlformats.org/officeDocument/2006/relationships" xmlns:p="http://schemas.openxmlformats.org/presentationml/2006/main">
   <p:cSld>
     <p:spTree>
@@ -8253,8 +8491,13 @@
                   <a:srgbClr val="00B0F0"/>
                 </a:solidFill>
               </a:rPr>
-              <a:t>Example(3)</a:t>
-            </a:r>
+              <a:t>Example(4)</a:t>
+            </a:r>
+            <a:endParaRPr lang="en-US" sz="2800" dirty="0" smtClean="0">
+              <a:solidFill>
+                <a:srgbClr val="00B0F0"/>
+              </a:solidFill>
+            </a:endParaRPr>
           </a:p>
           <a:p>
             <a:pPr marL="0" indent="0">
@@ -9805,7 +10048,7 @@
     </p:spTree>
     <p:extLst>
       <p:ext uri="{BB962C8B-B14F-4D97-AF65-F5344CB8AC3E}">
-        <p14:creationId xmlns="" xmlns:p14="http://schemas.microsoft.com/office/powerpoint/2010/main" val="3937943436"/>
+        <p14:creationId xmlns:p14="http://schemas.microsoft.com/office/powerpoint/2010/main" xmlns="" val="3937943436"/>
       </p:ext>
     </p:extLst>
   </p:cSld>
@@ -9822,7 +10065,7 @@
 </p:sld>
 </file>
 
-<file path=ppt/slides/slide7.xml><?xml version="1.0" encoding="utf-8"?>
+<file path=ppt/slides/slide8.xml><?xml version="1.0" encoding="utf-8"?>
 <p:sld xmlns:a="http://schemas.openxmlformats.org/drawingml/2006/main" xmlns:r="http://schemas.openxmlformats.org/officeDocument/2006/relationships" xmlns:p="http://schemas.openxmlformats.org/presentationml/2006/main">
   <p:cSld>
     <p:spTree>
@@ -10005,7 +10248,7 @@
     </p:spTree>
     <p:extLst>
       <p:ext uri="{BB962C8B-B14F-4D97-AF65-F5344CB8AC3E}">
-        <p14:creationId xmlns="" xmlns:p14="http://schemas.microsoft.com/office/powerpoint/2010/main" val="55734661"/>
+        <p14:creationId xmlns:p14="http://schemas.microsoft.com/office/powerpoint/2010/main" xmlns="" val="55734661"/>
       </p:ext>
     </p:extLst>
   </p:cSld>
@@ -10022,7 +10265,7 @@
 </p:sld>
 </file>
 
-<file path=ppt/slides/slide8.xml><?xml version="1.0" encoding="utf-8"?>
+<file path=ppt/slides/slide9.xml><?xml version="1.0" encoding="utf-8"?>
 <p:sld xmlns:a="http://schemas.openxmlformats.org/drawingml/2006/main" xmlns:r="http://schemas.openxmlformats.org/officeDocument/2006/relationships" xmlns:p="http://schemas.openxmlformats.org/presentationml/2006/main">
   <p:cSld>
     <p:spTree>
@@ -10236,75 +10479,7 @@
     </p:spTree>
     <p:extLst>
       <p:ext uri="{BB962C8B-B14F-4D97-AF65-F5344CB8AC3E}">
-        <p14:creationId xmlns="" xmlns:p14="http://schemas.microsoft.com/office/powerpoint/2010/main" val="2592513438"/>
-      </p:ext>
-    </p:extLst>
-  </p:cSld>
-  <p:clrMapOvr>
-    <a:masterClrMapping/>
-  </p:clrMapOvr>
-  <p:timing>
-    <p:tnLst>
-      <p:par>
-        <p:cTn id="1" dur="indefinite" restart="never" nodeType="tmRoot"/>
-      </p:par>
-    </p:tnLst>
-  </p:timing>
-</p:sld>
-</file>
-
-<file path=ppt/slides/slide9.xml><?xml version="1.0" encoding="utf-8"?>
-<p:sld xmlns:a="http://schemas.openxmlformats.org/drawingml/2006/main" xmlns:r="http://schemas.openxmlformats.org/officeDocument/2006/relationships" xmlns:p="http://schemas.openxmlformats.org/presentationml/2006/main">
-  <p:cSld>
-    <p:spTree>
-      <p:nvGrpSpPr>
-        <p:cNvPr id="1" name=""/>
-        <p:cNvGrpSpPr/>
-        <p:nvPr/>
-      </p:nvGrpSpPr>
-      <p:grpSpPr>
-        <a:xfrm>
-          <a:off x="0" y="0"/>
-          <a:ext cx="0" cy="0"/>
-          <a:chOff x="0" y="0"/>
-          <a:chExt cx="0" cy="0"/>
-        </a:xfrm>
-      </p:grpSpPr>
-      <p:sp>
-        <p:nvSpPr>
-          <p:cNvPr id="7" name="Title 6"/>
-          <p:cNvSpPr>
-            <a:spLocks noGrp="1"/>
-          </p:cNvSpPr>
-          <p:nvPr>
-            <p:ph type="title"/>
-          </p:nvPr>
-        </p:nvSpPr>
-        <p:spPr>
-          <a:xfrm>
-            <a:off x="833198" y="2667001"/>
-            <a:ext cx="8596668" cy="1320800"/>
-          </a:xfrm>
-        </p:spPr>
-        <p:txBody>
-          <a:bodyPr anchor="ctr">
-            <a:noAutofit/>
-          </a:bodyPr>
-          <a:lstStyle/>
-          <a:p>
-            <a:pPr algn="just"/>
-            <a:r>
-              <a:rPr lang="en-US" sz="13800" dirty="0" smtClean="0"/>
-              <a:t>Thank you</a:t>
-            </a:r>
-            <a:endParaRPr lang="bg-BG" sz="13800" dirty="0"/>
-          </a:p>
-        </p:txBody>
-      </p:sp>
-    </p:spTree>
-    <p:extLst>
-      <p:ext uri="{BB962C8B-B14F-4D97-AF65-F5344CB8AC3E}">
-        <p14:creationId xmlns="" xmlns:p14="http://schemas.microsoft.com/office/powerpoint/2010/main" val="2405888014"/>
+        <p14:creationId xmlns:p14="http://schemas.microsoft.com/office/powerpoint/2010/main" xmlns="" val="2592513438"/>
       </p:ext>
     </p:extLst>
   </p:cSld>
@@ -10572,7 +10747,7 @@
   <a:extraClrSchemeLst/>
   <a:extLst>
     <a:ext uri="{05A4C25C-085E-4340-85A3-A5531E510DB2}">
-      <thm15:themeFamily xmlns="" xmlns:thm15="http://schemas.microsoft.com/office/thememl/2012/main" name="Facet" id="{C0C680CD-088A-49FC-A102-D699147F32B2}" vid="{0B5AB586-D108-4FC1-8368-649FE654B894}"/>
+      <thm15:themeFamily xmlns:thm15="http://schemas.microsoft.com/office/thememl/2012/main" xmlns="" name="Facet" id="{C0C680CD-088A-49FC-A102-D699147F32B2}" vid="{0B5AB586-D108-4FC1-8368-649FE654B894}"/>
     </a:ext>
   </a:extLst>
 </a:theme>

--- a/04.TestLevelsAndTypes/Suitability.pptx
+++ b/04.TestLevelsAndTypes/Suitability.pptx
@@ -6,15 +6,16 @@
   </p:sldMasterIdLst>
   <p:sldIdLst>
     <p:sldId id="256" r:id="rId2"/>
-    <p:sldId id="257" r:id="rId3"/>
-    <p:sldId id="264" r:id="rId4"/>
+    <p:sldId id="271" r:id="rId3"/>
+    <p:sldId id="257" r:id="rId4"/>
     <p:sldId id="263" r:id="rId5"/>
     <p:sldId id="270" r:id="rId6"/>
     <p:sldId id="265" r:id="rId7"/>
     <p:sldId id="266" r:id="rId8"/>
-    <p:sldId id="267" r:id="rId9"/>
-    <p:sldId id="269" r:id="rId10"/>
-    <p:sldId id="262" r:id="rId11"/>
+    <p:sldId id="264" r:id="rId9"/>
+    <p:sldId id="267" r:id="rId10"/>
+    <p:sldId id="269" r:id="rId11"/>
+    <p:sldId id="262" r:id="rId12"/>
   </p:sldIdLst>
   <p:sldSz cx="12192000" cy="6858000"/>
   <p:notesSz cx="6858000" cy="9144000"/>
@@ -5997,6 +5998,237 @@
           <a:chExt cx="0" cy="0"/>
         </a:xfrm>
       </p:grpSpPr>
+      <p:pic>
+        <p:nvPicPr>
+          <p:cNvPr id="5124" name="Picture 4" descr="C:\Users\Dell\Desktop\quality_assurance.jpg"/>
+          <p:cNvPicPr>
+            <a:picLocks noChangeAspect="1" noChangeArrowheads="1"/>
+          </p:cNvPicPr>
+          <p:nvPr/>
+        </p:nvPicPr>
+        <p:blipFill>
+          <a:blip r:embed="rId2"/>
+          <a:srcRect/>
+          <a:stretch>
+            <a:fillRect/>
+          </a:stretch>
+        </p:blipFill>
+        <p:spPr bwMode="auto">
+          <a:xfrm>
+            <a:off x="5855367" y="2254478"/>
+            <a:ext cx="3689685" cy="2742637"/>
+          </a:xfrm>
+          <a:prstGeom prst="rect">
+            <a:avLst/>
+          </a:prstGeom>
+        </p:spPr>
+      </p:pic>
+      <p:sp>
+        <p:nvSpPr>
+          <p:cNvPr id="3" name="Content Placeholder 2"/>
+          <p:cNvSpPr>
+            <a:spLocks noGrp="1"/>
+          </p:cNvSpPr>
+          <p:nvPr>
+            <p:ph idx="1"/>
+          </p:nvPr>
+        </p:nvSpPr>
+        <p:spPr>
+          <a:xfrm>
+            <a:off x="698116" y="352571"/>
+            <a:ext cx="8596668" cy="1831829"/>
+          </a:xfrm>
+        </p:spPr>
+        <p:txBody>
+          <a:bodyPr>
+            <a:normAutofit/>
+          </a:bodyPr>
+          <a:lstStyle/>
+          <a:p>
+            <a:pPr marL="0" indent="0">
+              <a:buNone/>
+            </a:pPr>
+            <a:endParaRPr lang="en-US" sz="2800" dirty="0" smtClean="0">
+              <a:solidFill>
+                <a:schemeClr val="tx2"/>
+              </a:solidFill>
+            </a:endParaRPr>
+          </a:p>
+          <a:p>
+            <a:pPr marL="0" indent="0" algn="ctr">
+              <a:buNone/>
+            </a:pPr>
+            <a:r>
+              <a:rPr lang="en-US" sz="3600" dirty="0">
+                <a:solidFill>
+                  <a:schemeClr val="accent1"/>
+                </a:solidFill>
+                <a:latin typeface="+mj-lt"/>
+                <a:ea typeface="+mj-ea"/>
+                <a:cs typeface="+mj-cs"/>
+              </a:rPr>
+              <a:t>How to </a:t>
+            </a:r>
+            <a:r>
+              <a:rPr lang="en-US" sz="3600" dirty="0" smtClean="0">
+                <a:solidFill>
+                  <a:schemeClr val="accent1"/>
+                </a:solidFill>
+                <a:latin typeface="+mj-lt"/>
+                <a:ea typeface="+mj-ea"/>
+                <a:cs typeface="+mj-cs"/>
+              </a:rPr>
+              <a:t>Measure Suitability?</a:t>
+            </a:r>
+            <a:endParaRPr lang="en-US" sz="3600" dirty="0">
+              <a:solidFill>
+                <a:schemeClr val="accent1"/>
+              </a:solidFill>
+              <a:latin typeface="+mj-lt"/>
+              <a:ea typeface="+mj-ea"/>
+              <a:cs typeface="+mj-cs"/>
+            </a:endParaRPr>
+          </a:p>
+        </p:txBody>
+      </p:sp>
+      <p:sp>
+        <p:nvSpPr>
+          <p:cNvPr id="4" name="Rectangle 3"/>
+          <p:cNvSpPr/>
+          <p:nvPr/>
+        </p:nvSpPr>
+        <p:spPr>
+          <a:xfrm>
+            <a:off x="358588" y="1775012"/>
+            <a:ext cx="5504329" cy="2677656"/>
+          </a:xfrm>
+          <a:prstGeom prst="rect">
+            <a:avLst/>
+          </a:prstGeom>
+        </p:spPr>
+        <p:txBody>
+          <a:bodyPr wrap="square">
+            <a:spAutoFit/>
+          </a:bodyPr>
+          <a:lstStyle/>
+          <a:p>
+            <a:pPr marL="800100" lvl="1" indent="-342900">
+              <a:buClr>
+                <a:schemeClr val="accent1"/>
+              </a:buClr>
+              <a:buFont typeface="Wingdings" pitchFamily="2" charset="2"/>
+              <a:buChar char="Ø"/>
+            </a:pPr>
+            <a:endParaRPr lang="en-US" sz="2400" dirty="0" smtClean="0"/>
+          </a:p>
+          <a:p>
+            <a:pPr marL="800100" lvl="1" indent="-342900">
+              <a:buClr>
+                <a:schemeClr val="accent1"/>
+              </a:buClr>
+              <a:buFont typeface="Wingdings" pitchFamily="2" charset="2"/>
+              <a:buChar char="Ø"/>
+            </a:pPr>
+            <a:r>
+              <a:rPr lang="en-US" sz="2400" dirty="0" smtClean="0"/>
+              <a:t>Good Suitability Tester</a:t>
+            </a:r>
+          </a:p>
+          <a:p>
+            <a:pPr marL="800100" lvl="1" indent="-342900">
+              <a:buClr>
+                <a:schemeClr val="accent1"/>
+              </a:buClr>
+              <a:buFont typeface="Wingdings" pitchFamily="2" charset="2"/>
+              <a:buChar char="Ø"/>
+            </a:pPr>
+            <a:endParaRPr lang="en-US" sz="2400" dirty="0" smtClean="0"/>
+          </a:p>
+          <a:p>
+            <a:pPr marL="800100" lvl="1" indent="-342900">
+              <a:buClr>
+                <a:schemeClr val="accent1"/>
+              </a:buClr>
+              <a:buFont typeface="Wingdings" pitchFamily="2" charset="2"/>
+              <a:buChar char="Ø"/>
+            </a:pPr>
+            <a:r>
+              <a:rPr lang="en-US" sz="2400" dirty="0" smtClean="0"/>
+              <a:t>Involved User or Product Owner</a:t>
+            </a:r>
+          </a:p>
+          <a:p>
+            <a:pPr marL="800100" lvl="1" indent="-342900">
+              <a:buClr>
+                <a:schemeClr val="accent1"/>
+              </a:buClr>
+              <a:buFont typeface="Wingdings" pitchFamily="2" charset="2"/>
+              <a:buChar char="Ø"/>
+            </a:pPr>
+            <a:endParaRPr lang="en-US" sz="2400" dirty="0" smtClean="0"/>
+          </a:p>
+          <a:p>
+            <a:pPr marL="800100" lvl="1" indent="-342900">
+              <a:buClr>
+                <a:schemeClr val="accent1"/>
+              </a:buClr>
+              <a:buFont typeface="Wingdings" pitchFamily="2" charset="2"/>
+              <a:buChar char="Ø"/>
+            </a:pPr>
+            <a:r>
+              <a:rPr lang="en-US" sz="2400" dirty="0" smtClean="0"/>
+              <a:t>Valid use cases - effective test </a:t>
+            </a:r>
+          </a:p>
+          <a:p>
+            <a:pPr marL="800100" lvl="1" indent="-342900">
+              <a:buClr>
+                <a:schemeClr val="accent1"/>
+              </a:buClr>
+              <a:buFont typeface="Wingdings" pitchFamily="2" charset="2"/>
+              <a:buChar char="Ø"/>
+            </a:pPr>
+            <a:endParaRPr lang="en-US" sz="2400" dirty="0" smtClean="0"/>
+          </a:p>
+        </p:txBody>
+      </p:sp>
+    </p:spTree>
+    <p:extLst>
+      <p:ext uri="{BB962C8B-B14F-4D97-AF65-F5344CB8AC3E}">
+        <p14:creationId xmlns:p14="http://schemas.microsoft.com/office/powerpoint/2010/main" xmlns="" val="2592513438"/>
+      </p:ext>
+    </p:extLst>
+  </p:cSld>
+  <p:clrMapOvr>
+    <a:masterClrMapping/>
+  </p:clrMapOvr>
+  <p:timing>
+    <p:tnLst>
+      <p:par>
+        <p:cTn id="1" dur="indefinite" restart="never" nodeType="tmRoot"/>
+      </p:par>
+    </p:tnLst>
+  </p:timing>
+</p:sld>
+</file>
+
+<file path=ppt/slides/slide11.xml><?xml version="1.0" encoding="utf-8"?>
+<p:sld xmlns:a="http://schemas.openxmlformats.org/drawingml/2006/main" xmlns:r="http://schemas.openxmlformats.org/officeDocument/2006/relationships" xmlns:p="http://schemas.openxmlformats.org/presentationml/2006/main">
+  <p:cSld>
+    <p:spTree>
+      <p:nvGrpSpPr>
+        <p:cNvPr id="1" name=""/>
+        <p:cNvGrpSpPr/>
+        <p:nvPr/>
+      </p:nvGrpSpPr>
+      <p:grpSpPr>
+        <a:xfrm>
+          <a:off x="0" y="0"/>
+          <a:ext cx="0" cy="0"/>
+          <a:chOff x="0" y="0"/>
+          <a:chExt cx="0" cy="0"/>
+        </a:xfrm>
+      </p:grpSpPr>
       <p:sp>
         <p:nvSpPr>
           <p:cNvPr id="7" name="Title 6"/>
@@ -6077,6 +6309,161 @@
         </p:nvSpPr>
         <p:spPr/>
         <p:txBody>
+          <a:bodyPr/>
+          <a:lstStyle/>
+          <a:p>
+            <a:pPr algn="r"/>
+            <a:r>
+              <a:rPr lang="en-US" dirty="0" smtClean="0"/>
+              <a:t>Validation</a:t>
+            </a:r>
+            <a:endParaRPr lang="bg-BG" dirty="0"/>
+          </a:p>
+        </p:txBody>
+      </p:sp>
+      <p:sp>
+        <p:nvSpPr>
+          <p:cNvPr id="3" name="Content Placeholder 2"/>
+          <p:cNvSpPr>
+            <a:spLocks noGrp="1"/>
+          </p:cNvSpPr>
+          <p:nvPr>
+            <p:ph idx="1"/>
+          </p:nvPr>
+        </p:nvSpPr>
+        <p:spPr>
+          <a:xfrm>
+            <a:off x="677334" y="1425147"/>
+            <a:ext cx="8596668" cy="1532237"/>
+          </a:xfrm>
+        </p:spPr>
+        <p:txBody>
+          <a:bodyPr/>
+          <a:lstStyle/>
+          <a:p>
+            <a:r>
+              <a:rPr lang="en-US" dirty="0" smtClean="0"/>
+              <a:t>Functional suitability is related to validation</a:t>
+            </a:r>
+          </a:p>
+          <a:p>
+            <a:r>
+              <a:rPr lang="en-US" dirty="0" smtClean="0"/>
+              <a:t>Suitability testing is a testing to verify if a set of functions is appropriate for their set of intended specified tasks</a:t>
+            </a:r>
+          </a:p>
+          <a:p>
+            <a:endParaRPr lang="en-US" dirty="0" smtClean="0"/>
+          </a:p>
+          <a:p>
+            <a:endParaRPr lang="en-US" dirty="0" smtClean="0"/>
+          </a:p>
+          <a:p>
+            <a:endParaRPr lang="bg-BG" dirty="0"/>
+          </a:p>
+        </p:txBody>
+      </p:sp>
+      <p:pic>
+        <p:nvPicPr>
+          <p:cNvPr id="4" name="Picture 3"/>
+          <p:cNvPicPr>
+            <a:picLocks noChangeAspect="1" noChangeArrowheads="1"/>
+          </p:cNvPicPr>
+          <p:nvPr/>
+        </p:nvPicPr>
+        <p:blipFill>
+          <a:blip r:embed="rId2" cstate="print">
+            <a:extLst>
+              <a:ext uri="{28A0092B-C50C-407E-A947-70E740481C1C}">
+                <a14:useLocalDpi xmlns:a14="http://schemas.microsoft.com/office/drawing/2010/main" xmlns=""/>
+              </a:ext>
+            </a:extLst>
+          </a:blip>
+          <a:srcRect/>
+          <a:stretch>
+            <a:fillRect/>
+          </a:stretch>
+        </p:blipFill>
+        <p:spPr bwMode="auto">
+          <a:xfrm>
+            <a:off x="2053282" y="3100516"/>
+            <a:ext cx="4940643" cy="2999676"/>
+          </a:xfrm>
+          <a:prstGeom prst="roundRect">
+            <a:avLst/>
+          </a:prstGeom>
+          <a:noFill/>
+          <a:ln>
+            <a:noFill/>
+          </a:ln>
+          <a:effectLst>
+            <a:glow rad="101600">
+              <a:schemeClr val="tx1">
+                <a:alpha val="60000"/>
+              </a:schemeClr>
+            </a:glow>
+            <a:outerShdw dist="35921" dir="2700000" algn="ctr" rotWithShape="0">
+              <a:schemeClr val="bg2"/>
+            </a:outerShdw>
+          </a:effectLst>
+          <a:extLst>
+            <a:ext uri="{909E8E84-426E-40DD-AFC4-6F175D3DCCD1}">
+              <a14:hiddenFill xmlns:a14="http://schemas.microsoft.com/office/drawing/2010/main" xmlns="">
+                <a:solidFill>
+                  <a:schemeClr val="accent1"/>
+                </a:solidFill>
+              </a14:hiddenFill>
+            </a:ext>
+            <a:ext uri="{91240B29-F687-4F45-9708-019B960494DF}">
+              <a14:hiddenLine xmlns:a14="http://schemas.microsoft.com/office/drawing/2010/main" xmlns="" w="9525">
+                <a:solidFill>
+                  <a:schemeClr val="tx1"/>
+                </a:solidFill>
+                <a:miter lim="800000"/>
+                <a:headEnd/>
+                <a:tailEnd/>
+              </a14:hiddenLine>
+            </a:ext>
+          </a:extLst>
+        </p:spPr>
+      </p:pic>
+    </p:spTree>
+  </p:cSld>
+  <p:clrMapOvr>
+    <a:masterClrMapping/>
+  </p:clrMapOvr>
+</p:sld>
+</file>
+
+<file path=ppt/slides/slide3.xml><?xml version="1.0" encoding="utf-8"?>
+<p:sld xmlns:a="http://schemas.openxmlformats.org/drawingml/2006/main" xmlns:r="http://schemas.openxmlformats.org/officeDocument/2006/relationships" xmlns:p="http://schemas.openxmlformats.org/presentationml/2006/main">
+  <p:cSld>
+    <p:spTree>
+      <p:nvGrpSpPr>
+        <p:cNvPr id="1" name=""/>
+        <p:cNvGrpSpPr/>
+        <p:nvPr/>
+      </p:nvGrpSpPr>
+      <p:grpSpPr>
+        <a:xfrm>
+          <a:off x="0" y="0"/>
+          <a:ext cx="0" cy="0"/>
+          <a:chOff x="0" y="0"/>
+          <a:chExt cx="0" cy="0"/>
+        </a:xfrm>
+      </p:grpSpPr>
+      <p:sp>
+        <p:nvSpPr>
+          <p:cNvPr id="2" name="Title 1"/>
+          <p:cNvSpPr>
+            <a:spLocks noGrp="1"/>
+          </p:cNvSpPr>
+          <p:nvPr>
+            <p:ph type="title"/>
+          </p:nvPr>
+        </p:nvSpPr>
+        <p:spPr/>
+        <p:txBody>
           <a:bodyPr>
             <a:normAutofit/>
           </a:bodyPr>
@@ -6171,241 +6558,6 @@
     <p:extLst>
       <p:ext uri="{BB962C8B-B14F-4D97-AF65-F5344CB8AC3E}">
         <p14:creationId xmlns:p14="http://schemas.microsoft.com/office/powerpoint/2010/main" xmlns="" val="36069602"/>
-      </p:ext>
-    </p:extLst>
-  </p:cSld>
-  <p:clrMapOvr>
-    <a:masterClrMapping/>
-  </p:clrMapOvr>
-  <p:timing>
-    <p:tnLst>
-      <p:par>
-        <p:cTn id="1" dur="indefinite" restart="never" nodeType="tmRoot"/>
-      </p:par>
-    </p:tnLst>
-  </p:timing>
-</p:sld>
-</file>
-
-<file path=ppt/slides/slide3.xml><?xml version="1.0" encoding="utf-8"?>
-<p:sld xmlns:a="http://schemas.openxmlformats.org/drawingml/2006/main" xmlns:r="http://schemas.openxmlformats.org/officeDocument/2006/relationships" xmlns:p="http://schemas.openxmlformats.org/presentationml/2006/main">
-  <p:cSld>
-    <p:spTree>
-      <p:nvGrpSpPr>
-        <p:cNvPr id="1" name=""/>
-        <p:cNvGrpSpPr/>
-        <p:nvPr/>
-      </p:nvGrpSpPr>
-      <p:grpSpPr>
-        <a:xfrm>
-          <a:off x="0" y="0"/>
-          <a:ext cx="0" cy="0"/>
-          <a:chOff x="0" y="0"/>
-          <a:chExt cx="0" cy="0"/>
-        </a:xfrm>
-      </p:grpSpPr>
-      <p:sp>
-        <p:nvSpPr>
-          <p:cNvPr id="3" name="Content Placeholder 2"/>
-          <p:cNvSpPr>
-            <a:spLocks noGrp="1"/>
-          </p:cNvSpPr>
-          <p:nvPr>
-            <p:ph idx="1"/>
-          </p:nvPr>
-        </p:nvSpPr>
-        <p:spPr>
-          <a:xfrm>
-            <a:off x="758536" y="685079"/>
-            <a:ext cx="8515466" cy="5507903"/>
-          </a:xfrm>
-        </p:spPr>
-        <p:txBody>
-          <a:bodyPr>
-            <a:normAutofit/>
-          </a:bodyPr>
-          <a:lstStyle/>
-          <a:p>
-            <a:pPr marL="0" lvl="1" indent="0">
-              <a:buNone/>
-            </a:pPr>
-            <a:r>
-              <a:rPr lang="en-US" sz="3200" dirty="0" smtClean="0"/>
-              <a:t>Suitability testing requires knowledge of the intended and expected use</a:t>
-            </a:r>
-          </a:p>
-          <a:p>
-            <a:pPr marL="0" lvl="1" indent="0">
-              <a:buNone/>
-            </a:pPr>
-            <a:endParaRPr lang="en-US" sz="2400" dirty="0" smtClean="0"/>
-          </a:p>
-          <a:p>
-            <a:pPr lvl="4"/>
-            <a:r>
-              <a:rPr lang="en-US" sz="2200" dirty="0" smtClean="0"/>
-              <a:t>What user </a:t>
-            </a:r>
-            <a:r>
-              <a:rPr lang="en-US" sz="2200" dirty="0" smtClean="0">
-                <a:solidFill>
-                  <a:srgbClr val="FFC000"/>
-                </a:solidFill>
-              </a:rPr>
-              <a:t>need</a:t>
-            </a:r>
-          </a:p>
-          <a:p>
-            <a:pPr lvl="4"/>
-            <a:r>
-              <a:rPr lang="en-US" sz="2200" dirty="0" smtClean="0"/>
-              <a:t>What is user </a:t>
-            </a:r>
-            <a:r>
-              <a:rPr lang="en-US" sz="2200" dirty="0" smtClean="0">
-                <a:solidFill>
-                  <a:srgbClr val="FFC000"/>
-                </a:solidFill>
-              </a:rPr>
-              <a:t>skill level</a:t>
-            </a:r>
-          </a:p>
-          <a:p>
-            <a:pPr lvl="4"/>
-            <a:r>
-              <a:rPr lang="en-US" sz="2200" dirty="0" smtClean="0"/>
-              <a:t>What is user’s </a:t>
-            </a:r>
-            <a:r>
-              <a:rPr lang="en-US" sz="2200" dirty="0" smtClean="0">
-                <a:solidFill>
-                  <a:srgbClr val="FFC000"/>
-                </a:solidFill>
-              </a:rPr>
-              <a:t>environment</a:t>
-            </a:r>
-          </a:p>
-          <a:p>
-            <a:pPr lvl="4"/>
-            <a:endParaRPr lang="en-US" sz="2200" dirty="0" smtClean="0">
-              <a:solidFill>
-                <a:srgbClr val="FFC000"/>
-              </a:solidFill>
-            </a:endParaRPr>
-          </a:p>
-          <a:p>
-            <a:pPr lvl="4">
-              <a:buNone/>
-            </a:pPr>
-            <a:endParaRPr lang="en-US" sz="2400" dirty="0" smtClean="0"/>
-          </a:p>
-          <a:p>
-            <a:pPr marL="914400" lvl="2" indent="0">
-              <a:buNone/>
-            </a:pPr>
-            <a:endParaRPr lang="en-US" sz="2000" dirty="0">
-              <a:solidFill>
-                <a:srgbClr val="FFC000"/>
-              </a:solidFill>
-            </a:endParaRPr>
-          </a:p>
-          <a:p>
-            <a:pPr marL="0" lvl="1" indent="0"/>
-            <a:r>
-              <a:rPr lang="en-US" sz="2400" dirty="0" smtClean="0"/>
-              <a:t>Don’t know? – </a:t>
-            </a:r>
-            <a:r>
-              <a:rPr lang="en-US" sz="2400" smtClean="0">
-                <a:solidFill>
-                  <a:srgbClr val="FFC000"/>
-                </a:solidFill>
-              </a:rPr>
-              <a:t>Ferret it </a:t>
-            </a:r>
-            <a:r>
-              <a:rPr lang="en-US" sz="2400" dirty="0" smtClean="0">
-                <a:solidFill>
-                  <a:srgbClr val="FFC000"/>
-                </a:solidFill>
-              </a:rPr>
-              <a:t>out</a:t>
-            </a:r>
-          </a:p>
-          <a:p>
-            <a:pPr marL="0" lvl="1" indent="0">
-              <a:buNone/>
-            </a:pPr>
-            <a:r>
-              <a:rPr lang="en-US" sz="2400" dirty="0" smtClean="0"/>
-              <a:t> </a:t>
-            </a:r>
-            <a:endParaRPr lang="en-US" sz="2400" dirty="0"/>
-          </a:p>
-          <a:p>
-            <a:pPr marL="0" lvl="1" indent="0">
-              <a:buNone/>
-            </a:pPr>
-            <a:endParaRPr lang="en-US" sz="2400" dirty="0"/>
-          </a:p>
-        </p:txBody>
-      </p:sp>
-      <p:pic>
-        <p:nvPicPr>
-          <p:cNvPr id="3074" name="Picture 2" descr="C:\Users\Dell\Desktop\Medical-travel-agent.jpg"/>
-          <p:cNvPicPr>
-            <a:picLocks noChangeAspect="1" noChangeArrowheads="1"/>
-          </p:cNvPicPr>
-          <p:nvPr/>
-        </p:nvPicPr>
-        <p:blipFill>
-          <a:blip r:embed="rId2"/>
-          <a:srcRect/>
-          <a:stretch>
-            <a:fillRect/>
-          </a:stretch>
-        </p:blipFill>
-        <p:spPr bwMode="auto">
-          <a:xfrm>
-            <a:off x="330827" y="1862787"/>
-            <a:ext cx="2187829" cy="2165951"/>
-          </a:xfrm>
-          <a:prstGeom prst="rect">
-            <a:avLst/>
-          </a:prstGeom>
-          <a:noFill/>
-        </p:spPr>
-      </p:pic>
-      <p:pic>
-        <p:nvPicPr>
-          <p:cNvPr id="3075" name="Picture 3" descr="C:\Users\Dell\Desktop\21053916.jpg"/>
-          <p:cNvPicPr>
-            <a:picLocks noChangeAspect="1" noChangeArrowheads="1"/>
-          </p:cNvPicPr>
-          <p:nvPr/>
-        </p:nvPicPr>
-        <p:blipFill>
-          <a:blip r:embed="rId3"/>
-          <a:srcRect/>
-          <a:stretch>
-            <a:fillRect/>
-          </a:stretch>
-        </p:blipFill>
-        <p:spPr bwMode="auto">
-          <a:xfrm>
-            <a:off x="5837809" y="4001289"/>
-            <a:ext cx="2424370" cy="1818278"/>
-          </a:xfrm>
-          <a:prstGeom prst="rect">
-            <a:avLst/>
-          </a:prstGeom>
-          <a:noFill/>
-        </p:spPr>
-      </p:pic>
-    </p:spTree>
-    <p:extLst>
-      <p:ext uri="{BB962C8B-B14F-4D97-AF65-F5344CB8AC3E}">
-        <p14:creationId xmlns:p14="http://schemas.microsoft.com/office/powerpoint/2010/main" xmlns="" val="2510236076"/>
       </p:ext>
     </p:extLst>
   </p:cSld>
@@ -6740,11 +6892,6 @@
               </a:rPr>
               <a:t>Exceptions</a:t>
             </a:r>
-            <a:endParaRPr lang="en-US" sz="2800" dirty="0" smtClean="0">
-              <a:solidFill>
-                <a:srgbClr val="00B0F0"/>
-              </a:solidFill>
-            </a:endParaRPr>
           </a:p>
           <a:p>
             <a:endParaRPr lang="en-US" sz="2000" dirty="0" smtClean="0"/>
@@ -6895,11 +7042,6 @@
               </a:rPr>
               <a:t>Example(3)</a:t>
             </a:r>
-            <a:endParaRPr lang="en-US" sz="2800" dirty="0" smtClean="0">
-              <a:solidFill>
-                <a:srgbClr val="00B0F0"/>
-              </a:solidFill>
-            </a:endParaRPr>
           </a:p>
           <a:p>
             <a:pPr marL="0" indent="0">
@@ -8493,11 +8635,6 @@
               </a:rPr>
               <a:t>Example(4)</a:t>
             </a:r>
-            <a:endParaRPr lang="en-US" sz="2800" dirty="0" smtClean="0">
-              <a:solidFill>
-                <a:srgbClr val="00B0F0"/>
-              </a:solidFill>
-            </a:endParaRPr>
           </a:p>
           <a:p>
             <a:pPr marL="0" indent="0">
@@ -10082,9 +10219,155 @@
           <a:chExt cx="0" cy="0"/>
         </a:xfrm>
       </p:grpSpPr>
+      <p:sp>
+        <p:nvSpPr>
+          <p:cNvPr id="3" name="Content Placeholder 2"/>
+          <p:cNvSpPr>
+            <a:spLocks noGrp="1"/>
+          </p:cNvSpPr>
+          <p:nvPr>
+            <p:ph idx="1"/>
+          </p:nvPr>
+        </p:nvSpPr>
+        <p:spPr>
+          <a:xfrm>
+            <a:off x="758536" y="685079"/>
+            <a:ext cx="8515466" cy="5507903"/>
+          </a:xfrm>
+        </p:spPr>
+        <p:txBody>
+          <a:bodyPr>
+            <a:normAutofit/>
+          </a:bodyPr>
+          <a:lstStyle/>
+          <a:p>
+            <a:pPr marL="0" lvl="1" indent="0">
+              <a:buNone/>
+            </a:pPr>
+            <a:r>
+              <a:rPr lang="en-US" sz="3200" dirty="0" smtClean="0"/>
+              <a:t>Suitability testing requires knowledge of the intended and expected use</a:t>
+            </a:r>
+          </a:p>
+          <a:p>
+            <a:pPr marL="0" lvl="1" indent="0">
+              <a:buNone/>
+            </a:pPr>
+            <a:endParaRPr lang="en-US" sz="2400" dirty="0" smtClean="0"/>
+          </a:p>
+          <a:p>
+            <a:pPr lvl="4"/>
+            <a:r>
+              <a:rPr lang="en-US" sz="2200" dirty="0" smtClean="0"/>
+              <a:t>What user </a:t>
+            </a:r>
+            <a:r>
+              <a:rPr lang="en-US" sz="2200" dirty="0" smtClean="0">
+                <a:solidFill>
+                  <a:srgbClr val="FFC000"/>
+                </a:solidFill>
+              </a:rPr>
+              <a:t>need</a:t>
+            </a:r>
+          </a:p>
+          <a:p>
+            <a:pPr lvl="4"/>
+            <a:r>
+              <a:rPr lang="en-US" sz="2200" dirty="0" smtClean="0"/>
+              <a:t>What is user </a:t>
+            </a:r>
+            <a:r>
+              <a:rPr lang="en-US" sz="2200" dirty="0" smtClean="0">
+                <a:solidFill>
+                  <a:srgbClr val="FFC000"/>
+                </a:solidFill>
+              </a:rPr>
+              <a:t>skill level</a:t>
+            </a:r>
+          </a:p>
+          <a:p>
+            <a:pPr lvl="4"/>
+            <a:r>
+              <a:rPr lang="en-US" sz="2200" dirty="0" smtClean="0"/>
+              <a:t>What is user’s </a:t>
+            </a:r>
+            <a:r>
+              <a:rPr lang="en-US" sz="2200" dirty="0" smtClean="0">
+                <a:solidFill>
+                  <a:srgbClr val="FFC000"/>
+                </a:solidFill>
+              </a:rPr>
+              <a:t>environment</a:t>
+            </a:r>
+          </a:p>
+          <a:p>
+            <a:pPr lvl="4"/>
+            <a:endParaRPr lang="en-US" sz="2200" dirty="0" smtClean="0">
+              <a:solidFill>
+                <a:srgbClr val="FFC000"/>
+              </a:solidFill>
+            </a:endParaRPr>
+          </a:p>
+          <a:p>
+            <a:pPr lvl="4">
+              <a:buNone/>
+            </a:pPr>
+            <a:endParaRPr lang="en-US" sz="2400" dirty="0" smtClean="0"/>
+          </a:p>
+          <a:p>
+            <a:pPr marL="914400" lvl="2" indent="0">
+              <a:buNone/>
+            </a:pPr>
+            <a:endParaRPr lang="en-US" sz="2000" dirty="0">
+              <a:solidFill>
+                <a:srgbClr val="FFC000"/>
+              </a:solidFill>
+            </a:endParaRPr>
+          </a:p>
+          <a:p>
+            <a:pPr marL="0" lvl="1" indent="0"/>
+            <a:r>
+              <a:rPr lang="en-US" sz="2400" dirty="0" smtClean="0"/>
+              <a:t>Don’t know? – </a:t>
+            </a:r>
+            <a:r>
+              <a:rPr lang="en-US" sz="2400" smtClean="0">
+                <a:solidFill>
+                  <a:srgbClr val="FFC000"/>
+                </a:solidFill>
+              </a:rPr>
+              <a:t>Ferret it </a:t>
+            </a:r>
+            <a:r>
+              <a:rPr lang="en-US" sz="2400" dirty="0" smtClean="0">
+                <a:solidFill>
+                  <a:srgbClr val="FFC000"/>
+                </a:solidFill>
+              </a:rPr>
+              <a:t>out</a:t>
+            </a:r>
+          </a:p>
+          <a:p>
+            <a:pPr marL="0" lvl="1" indent="0">
+              <a:buNone/>
+            </a:pPr>
+            <a:r>
+              <a:rPr lang="en-US" sz="2400" dirty="0" smtClean="0"/>
+              <a:t> </a:t>
+            </a:r>
+            <a:endParaRPr lang="en-US" sz="2400" dirty="0"/>
+          </a:p>
+          <a:p>
+            <a:pPr marL="0" lvl="1" indent="0">
+              <a:buNone/>
+            </a:pPr>
+            <a:endParaRPr lang="en-US" sz="2400" dirty="0"/>
+          </a:p>
+        </p:txBody>
+      </p:sp>
       <p:pic>
         <p:nvPicPr>
-          <p:cNvPr id="6151" name="Picture 7" descr="C:\Users\Dell\Desktop\images (6).jpg"/>
+          <p:cNvPr id="3074" name="Picture 2" descr="C:\Users\Dell\Desktop\Medical-travel-agent.jpg"/>
           <p:cNvPicPr>
             <a:picLocks noChangeAspect="1" noChangeArrowheads="1"/>
           </p:cNvPicPr>
@@ -10099,8 +10382,8 @@
         </p:blipFill>
         <p:spPr bwMode="auto">
           <a:xfrm>
-            <a:off x="6752852" y="4040374"/>
-            <a:ext cx="2381250" cy="1924050"/>
+            <a:off x="330827" y="1862787"/>
+            <a:ext cx="2187829" cy="2165951"/>
           </a:xfrm>
           <a:prstGeom prst="rect">
             <a:avLst/>
@@ -10108,120 +10391,9 @@
           <a:noFill/>
         </p:spPr>
       </p:pic>
-      <p:sp>
-        <p:nvSpPr>
-          <p:cNvPr id="3" name="Content Placeholder 2"/>
-          <p:cNvSpPr>
-            <a:spLocks noGrp="1"/>
-          </p:cNvSpPr>
-          <p:nvPr>
-            <p:ph idx="1"/>
-          </p:nvPr>
-        </p:nvSpPr>
-        <p:spPr>
-          <a:xfrm>
-            <a:off x="2438400" y="352571"/>
-            <a:ext cx="6856383" cy="5062111"/>
-          </a:xfrm>
-        </p:spPr>
-        <p:txBody>
-          <a:bodyPr>
-            <a:normAutofit/>
-          </a:bodyPr>
-          <a:lstStyle/>
-          <a:p>
-            <a:pPr marL="0" indent="0">
-              <a:buNone/>
-            </a:pPr>
-            <a:endParaRPr lang="en-US" sz="2800" dirty="0" smtClean="0">
-              <a:solidFill>
-                <a:schemeClr val="tx2"/>
-              </a:solidFill>
-            </a:endParaRPr>
-          </a:p>
-          <a:p>
-            <a:pPr marL="0" indent="0">
-              <a:buNone/>
-            </a:pPr>
-            <a:r>
-              <a:rPr lang="en-US" sz="3200" dirty="0" smtClean="0">
-                <a:solidFill>
-                  <a:srgbClr val="00B0F0"/>
-                </a:solidFill>
-              </a:rPr>
-              <a:t>When Run Suitability testing?</a:t>
-            </a:r>
-          </a:p>
-          <a:p>
-            <a:pPr marL="0" indent="0">
-              <a:buNone/>
-            </a:pPr>
-            <a:endParaRPr lang="en-US" sz="3200" dirty="0" smtClean="0">
-              <a:solidFill>
-                <a:srgbClr val="00B0F0"/>
-              </a:solidFill>
-            </a:endParaRPr>
-          </a:p>
-          <a:p>
-            <a:pPr marL="0" indent="0"/>
-            <a:r>
-              <a:rPr lang="en-US" sz="2800" dirty="0" smtClean="0">
-                <a:solidFill>
-                  <a:schemeClr val="tx2"/>
-                </a:solidFill>
-              </a:rPr>
-              <a:t>Very closed to usability testing</a:t>
-            </a:r>
-          </a:p>
-          <a:p>
-            <a:pPr marL="0" indent="0">
-              <a:buNone/>
-            </a:pPr>
-            <a:endParaRPr lang="en-US" sz="2800" dirty="0" smtClean="0"/>
-          </a:p>
-          <a:p>
-            <a:pPr marL="0" indent="0"/>
-            <a:r>
-              <a:rPr lang="en-US" sz="2800" dirty="0" smtClean="0">
-                <a:solidFill>
-                  <a:schemeClr val="tx2"/>
-                </a:solidFill>
-              </a:rPr>
-              <a:t>End of the integration testing </a:t>
-            </a:r>
-          </a:p>
-          <a:p>
-            <a:pPr marL="0" indent="0"/>
-            <a:endParaRPr lang="en-US" sz="2800" dirty="0" smtClean="0">
-              <a:solidFill>
-                <a:schemeClr val="tx2"/>
-              </a:solidFill>
-            </a:endParaRPr>
-          </a:p>
-          <a:p>
-            <a:pPr marL="0" indent="0"/>
-            <a:r>
-              <a:rPr lang="en-US" sz="2800" dirty="0" smtClean="0">
-                <a:solidFill>
-                  <a:schemeClr val="tx2"/>
-                </a:solidFill>
-              </a:rPr>
-              <a:t>During system testing</a:t>
-            </a:r>
-          </a:p>
-          <a:p>
-            <a:pPr marL="0" indent="0"/>
-            <a:endParaRPr lang="en-US" sz="2800" dirty="0" smtClean="0">
-              <a:solidFill>
-                <a:schemeClr val="tx2"/>
-              </a:solidFill>
-            </a:endParaRPr>
-          </a:p>
-        </p:txBody>
-      </p:sp>
       <p:pic>
         <p:nvPicPr>
-          <p:cNvPr id="6152" name="Picture 8" descr="C:\Users\Dell\Desktop\images (5).jpg"/>
+          <p:cNvPr id="3075" name="Picture 3" descr="C:\Users\Dell\Desktop\21053916.jpg"/>
           <p:cNvPicPr>
             <a:picLocks noChangeAspect="1" noChangeArrowheads="1"/>
           </p:cNvPicPr>
@@ -10236,8 +10408,8 @@
         </p:blipFill>
         <p:spPr bwMode="auto">
           <a:xfrm>
-            <a:off x="398930" y="900393"/>
-            <a:ext cx="2000250" cy="2286000"/>
+            <a:off x="5837809" y="4001289"/>
+            <a:ext cx="2424370" cy="1818278"/>
           </a:xfrm>
           <a:prstGeom prst="rect">
             <a:avLst/>
@@ -10248,7 +10420,7 @@
     </p:spTree>
     <p:extLst>
       <p:ext uri="{BB962C8B-B14F-4D97-AF65-F5344CB8AC3E}">
-        <p14:creationId xmlns:p14="http://schemas.microsoft.com/office/powerpoint/2010/main" xmlns="" val="55734661"/>
+        <p14:creationId xmlns:p14="http://schemas.microsoft.com/office/powerpoint/2010/main" xmlns="" val="2510236076"/>
       </p:ext>
     </p:extLst>
   </p:cSld>
@@ -10284,7 +10456,7 @@
       </p:grpSpPr>
       <p:pic>
         <p:nvPicPr>
-          <p:cNvPr id="5124" name="Picture 4" descr="C:\Users\Dell\Desktop\quality_assurance.jpg"/>
+          <p:cNvPr id="6151" name="Picture 7" descr="C:\Users\Dell\Desktop\images (6).jpg"/>
           <p:cNvPicPr>
             <a:picLocks noChangeAspect="1" noChangeArrowheads="1"/>
           </p:cNvPicPr>
@@ -10299,12 +10471,13 @@
         </p:blipFill>
         <p:spPr bwMode="auto">
           <a:xfrm>
-            <a:off x="5855367" y="2254478"/>
-            <a:ext cx="3689685" cy="2742637"/>
+            <a:off x="6752852" y="4040374"/>
+            <a:ext cx="2381250" cy="1924050"/>
           </a:xfrm>
           <a:prstGeom prst="rect">
             <a:avLst/>
           </a:prstGeom>
+          <a:noFill/>
         </p:spPr>
       </p:pic>
       <p:sp>
@@ -10319,8 +10492,8 @@
         </p:nvSpPr>
         <p:spPr>
           <a:xfrm>
-            <a:off x="698116" y="352571"/>
-            <a:ext cx="8596668" cy="1831829"/>
+            <a:off x="2438400" y="352571"/>
+            <a:ext cx="6856383" cy="5062111"/>
           </a:xfrm>
         </p:spPr>
         <p:txBody>
@@ -10339,147 +10512,97 @@
             </a:endParaRPr>
           </a:p>
           <a:p>
-            <a:pPr marL="0" indent="0" algn="ctr">
+            <a:pPr marL="0" indent="0">
               <a:buNone/>
             </a:pPr>
             <a:r>
-              <a:rPr lang="en-US" sz="3600" dirty="0">
+              <a:rPr lang="en-US" sz="3200" dirty="0" smtClean="0">
                 <a:solidFill>
-                  <a:schemeClr val="accent1"/>
+                  <a:srgbClr val="00B0F0"/>
                 </a:solidFill>
-                <a:latin typeface="+mj-lt"/>
-                <a:ea typeface="+mj-ea"/>
-                <a:cs typeface="+mj-cs"/>
               </a:rPr>
-              <a:t>How to </a:t>
-            </a:r>
-            <a:r>
-              <a:rPr lang="en-US" sz="3600" dirty="0" smtClean="0">
+              <a:t>When Run Suitability testing?</a:t>
+            </a:r>
+          </a:p>
+          <a:p>
+            <a:pPr marL="0" indent="0">
+              <a:buNone/>
+            </a:pPr>
+            <a:endParaRPr lang="en-US" sz="2800" dirty="0" smtClean="0"/>
+          </a:p>
+          <a:p>
+            <a:pPr marL="0" indent="0"/>
+            <a:r>
+              <a:rPr lang="en-US" sz="2800" dirty="0" smtClean="0">
                 <a:solidFill>
-                  <a:schemeClr val="accent1"/>
+                  <a:schemeClr val="tx2"/>
                 </a:solidFill>
-                <a:latin typeface="+mj-lt"/>
-                <a:ea typeface="+mj-ea"/>
-                <a:cs typeface="+mj-cs"/>
               </a:rPr>
-              <a:t>Measure Suitability?</a:t>
-            </a:r>
-            <a:endParaRPr lang="en-US" sz="3600" dirty="0">
+              <a:t>End of the integration testing </a:t>
+            </a:r>
+          </a:p>
+          <a:p>
+            <a:pPr marL="0" indent="0"/>
+            <a:r>
+              <a:rPr lang="en-US" sz="2800" dirty="0" smtClean="0">
+                <a:solidFill>
+                  <a:schemeClr val="tx2"/>
+                </a:solidFill>
+              </a:rPr>
+              <a:t>During system testing</a:t>
+            </a:r>
+          </a:p>
+          <a:p>
+            <a:pPr marL="0" indent="0"/>
+            <a:r>
+              <a:rPr lang="en-US" sz="2800" dirty="0" smtClean="0">
+                <a:solidFill>
+                  <a:schemeClr val="tx2"/>
+                </a:solidFill>
+              </a:rPr>
+              <a:t>Very closed to usability testing</a:t>
+            </a:r>
+          </a:p>
+          <a:p>
+            <a:pPr marL="0" indent="0"/>
+            <a:endParaRPr lang="en-US" sz="2800" dirty="0" smtClean="0">
               <a:solidFill>
-                <a:schemeClr val="accent1"/>
+                <a:schemeClr val="tx2"/>
               </a:solidFill>
-              <a:latin typeface="+mj-lt"/>
-              <a:ea typeface="+mj-ea"/>
-              <a:cs typeface="+mj-cs"/>
             </a:endParaRPr>
           </a:p>
         </p:txBody>
       </p:sp>
-      <p:sp>
-        <p:nvSpPr>
-          <p:cNvPr id="4" name="Rectangle 3"/>
-          <p:cNvSpPr/>
+      <p:pic>
+        <p:nvPicPr>
+          <p:cNvPr id="6152" name="Picture 8" descr="C:\Users\Dell\Desktop\images (5).jpg"/>
+          <p:cNvPicPr>
+            <a:picLocks noChangeAspect="1" noChangeArrowheads="1"/>
+          </p:cNvPicPr>
           <p:nvPr/>
-        </p:nvSpPr>
-        <p:spPr>
+        </p:nvPicPr>
+        <p:blipFill>
+          <a:blip r:embed="rId3"/>
+          <a:srcRect/>
+          <a:stretch>
+            <a:fillRect/>
+          </a:stretch>
+        </p:blipFill>
+        <p:spPr bwMode="auto">
           <a:xfrm>
-            <a:off x="358588" y="1775012"/>
-            <a:ext cx="5504329" cy="2677656"/>
+            <a:off x="398930" y="900393"/>
+            <a:ext cx="2000250" cy="2286000"/>
           </a:xfrm>
           <a:prstGeom prst="rect">
             <a:avLst/>
           </a:prstGeom>
+          <a:noFill/>
         </p:spPr>
-        <p:txBody>
-          <a:bodyPr wrap="square">
-            <a:spAutoFit/>
-          </a:bodyPr>
-          <a:lstStyle/>
-          <a:p>
-            <a:pPr marL="800100" lvl="1" indent="-342900">
-              <a:buClr>
-                <a:schemeClr val="accent1"/>
-              </a:buClr>
-              <a:buFont typeface="Wingdings" pitchFamily="2" charset="2"/>
-              <a:buChar char="Ø"/>
-            </a:pPr>
-            <a:endParaRPr lang="en-US" sz="2400" dirty="0" smtClean="0"/>
-          </a:p>
-          <a:p>
-            <a:pPr marL="800100" lvl="1" indent="-342900">
-              <a:buClr>
-                <a:schemeClr val="accent1"/>
-              </a:buClr>
-              <a:buFont typeface="Wingdings" pitchFamily="2" charset="2"/>
-              <a:buChar char="Ø"/>
-            </a:pPr>
-            <a:r>
-              <a:rPr lang="en-US" sz="2400" dirty="0" smtClean="0"/>
-              <a:t>Good Suitability Tester</a:t>
-            </a:r>
-          </a:p>
-          <a:p>
-            <a:pPr marL="800100" lvl="1" indent="-342900">
-              <a:buClr>
-                <a:schemeClr val="accent1"/>
-              </a:buClr>
-              <a:buFont typeface="Wingdings" pitchFamily="2" charset="2"/>
-              <a:buChar char="Ø"/>
-            </a:pPr>
-            <a:endParaRPr lang="en-US" sz="2400" dirty="0" smtClean="0"/>
-          </a:p>
-          <a:p>
-            <a:pPr marL="800100" lvl="1" indent="-342900">
-              <a:buClr>
-                <a:schemeClr val="accent1"/>
-              </a:buClr>
-              <a:buFont typeface="Wingdings" pitchFamily="2" charset="2"/>
-              <a:buChar char="Ø"/>
-            </a:pPr>
-            <a:r>
-              <a:rPr lang="en-US" sz="2400" dirty="0" smtClean="0"/>
-              <a:t>Involved User or Product Owner</a:t>
-            </a:r>
-          </a:p>
-          <a:p>
-            <a:pPr marL="800100" lvl="1" indent="-342900">
-              <a:buClr>
-                <a:schemeClr val="accent1"/>
-              </a:buClr>
-              <a:buFont typeface="Wingdings" pitchFamily="2" charset="2"/>
-              <a:buChar char="Ø"/>
-            </a:pPr>
-            <a:endParaRPr lang="en-US" sz="2400" dirty="0" smtClean="0"/>
-          </a:p>
-          <a:p>
-            <a:pPr marL="800100" lvl="1" indent="-342900">
-              <a:buClr>
-                <a:schemeClr val="accent1"/>
-              </a:buClr>
-              <a:buFont typeface="Wingdings" pitchFamily="2" charset="2"/>
-              <a:buChar char="Ø"/>
-            </a:pPr>
-            <a:r>
-              <a:rPr lang="en-US" sz="2400" dirty="0" smtClean="0"/>
-              <a:t>Valid use cases - effective test </a:t>
-            </a:r>
-          </a:p>
-          <a:p>
-            <a:pPr marL="800100" lvl="1" indent="-342900">
-              <a:buClr>
-                <a:schemeClr val="accent1"/>
-              </a:buClr>
-              <a:buFont typeface="Wingdings" pitchFamily="2" charset="2"/>
-              <a:buChar char="Ø"/>
-            </a:pPr>
-            <a:endParaRPr lang="en-US" sz="2400" dirty="0" smtClean="0"/>
-          </a:p>
-        </p:txBody>
-      </p:sp>
+      </p:pic>
     </p:spTree>
     <p:extLst>
       <p:ext uri="{BB962C8B-B14F-4D97-AF65-F5344CB8AC3E}">
-        <p14:creationId xmlns:p14="http://schemas.microsoft.com/office/powerpoint/2010/main" xmlns="" val="2592513438"/>
+        <p14:creationId xmlns:p14="http://schemas.microsoft.com/office/powerpoint/2010/main" xmlns="" val="55734661"/>
       </p:ext>
     </p:extLst>
   </p:cSld>
